--- a/docs/presentation/20160527/CGによる湯気のシミュレーション.pptx
+++ b/docs/presentation/20160527/CGによる湯気のシミュレーション.pptx
@@ -11,6 +11,8 @@
     <p:sldId id="259" r:id="rId5"/>
     <p:sldId id="260" r:id="rId6"/>
     <p:sldId id="261" r:id="rId7"/>
+    <p:sldId id="262" r:id="rId8"/>
+    <p:sldId id="263" r:id="rId9"/>
   </p:sldIdLst>
   <p:sldSz cx="12192000" cy="6858000"/>
   <p:notesSz cx="6858000" cy="9144000"/>
@@ -246,7 +248,7 @@
           <a:p>
             <a:fld id="{D476CCC8-85EB-4CD4-B26C-961E41F3CEB5}" type="datetimeFigureOut">
               <a:rPr kumimoji="1" lang="ja-JP" altLang="en-US" smtClean="0"/>
-              <a:t>2016/5/27</a:t>
+              <a:t>2016/5/28</a:t>
             </a:fld>
             <a:endParaRPr kumimoji="1" lang="ja-JP" altLang="en-US"/>
           </a:p>
@@ -446,7 +448,7 @@
           <a:p>
             <a:fld id="{D476CCC8-85EB-4CD4-B26C-961E41F3CEB5}" type="datetimeFigureOut">
               <a:rPr kumimoji="1" lang="ja-JP" altLang="en-US" smtClean="0"/>
-              <a:t>2016/5/27</a:t>
+              <a:t>2016/5/28</a:t>
             </a:fld>
             <a:endParaRPr kumimoji="1" lang="ja-JP" altLang="en-US"/>
           </a:p>
@@ -656,7 +658,7 @@
           <a:p>
             <a:fld id="{D476CCC8-85EB-4CD4-B26C-961E41F3CEB5}" type="datetimeFigureOut">
               <a:rPr kumimoji="1" lang="ja-JP" altLang="en-US" smtClean="0"/>
-              <a:t>2016/5/27</a:t>
+              <a:t>2016/5/28</a:t>
             </a:fld>
             <a:endParaRPr kumimoji="1" lang="ja-JP" altLang="en-US"/>
           </a:p>
@@ -856,7 +858,7 @@
           <a:p>
             <a:fld id="{D476CCC8-85EB-4CD4-B26C-961E41F3CEB5}" type="datetimeFigureOut">
               <a:rPr kumimoji="1" lang="ja-JP" altLang="en-US" smtClean="0"/>
-              <a:t>2016/5/27</a:t>
+              <a:t>2016/5/28</a:t>
             </a:fld>
             <a:endParaRPr kumimoji="1" lang="ja-JP" altLang="en-US"/>
           </a:p>
@@ -1101,7 +1103,7 @@
           <a:p>
             <a:fld id="{D476CCC8-85EB-4CD4-B26C-961E41F3CEB5}" type="datetimeFigureOut">
               <a:rPr kumimoji="1" lang="ja-JP" altLang="en-US" smtClean="0"/>
-              <a:t>2016/5/27</a:t>
+              <a:t>2016/5/28</a:t>
             </a:fld>
             <a:endParaRPr kumimoji="1" lang="ja-JP" altLang="en-US"/>
           </a:p>
@@ -1394,7 +1396,7 @@
           <a:p>
             <a:fld id="{D476CCC8-85EB-4CD4-B26C-961E41F3CEB5}" type="datetimeFigureOut">
               <a:rPr kumimoji="1" lang="ja-JP" altLang="en-US" smtClean="0"/>
-              <a:t>2016/5/27</a:t>
+              <a:t>2016/5/28</a:t>
             </a:fld>
             <a:endParaRPr kumimoji="1" lang="ja-JP" altLang="en-US"/>
           </a:p>
@@ -1822,7 +1824,7 @@
           <a:p>
             <a:fld id="{D476CCC8-85EB-4CD4-B26C-961E41F3CEB5}" type="datetimeFigureOut">
               <a:rPr kumimoji="1" lang="ja-JP" altLang="en-US" smtClean="0"/>
-              <a:t>2016/5/27</a:t>
+              <a:t>2016/5/28</a:t>
             </a:fld>
             <a:endParaRPr kumimoji="1" lang="ja-JP" altLang="en-US"/>
           </a:p>
@@ -1939,7 +1941,7 @@
           <a:p>
             <a:fld id="{D476CCC8-85EB-4CD4-B26C-961E41F3CEB5}" type="datetimeFigureOut">
               <a:rPr kumimoji="1" lang="ja-JP" altLang="en-US" smtClean="0"/>
-              <a:t>2016/5/27</a:t>
+              <a:t>2016/5/28</a:t>
             </a:fld>
             <a:endParaRPr kumimoji="1" lang="ja-JP" altLang="en-US"/>
           </a:p>
@@ -2034,7 +2036,7 @@
           <a:p>
             <a:fld id="{D476CCC8-85EB-4CD4-B26C-961E41F3CEB5}" type="datetimeFigureOut">
               <a:rPr kumimoji="1" lang="ja-JP" altLang="en-US" smtClean="0"/>
-              <a:t>2016/5/27</a:t>
+              <a:t>2016/5/28</a:t>
             </a:fld>
             <a:endParaRPr kumimoji="1" lang="ja-JP" altLang="en-US"/>
           </a:p>
@@ -2341,7 +2343,7 @@
           <a:p>
             <a:fld id="{D476CCC8-85EB-4CD4-B26C-961E41F3CEB5}" type="datetimeFigureOut">
               <a:rPr kumimoji="1" lang="ja-JP" altLang="en-US" smtClean="0"/>
-              <a:t>2016/5/27</a:t>
+              <a:t>2016/5/28</a:t>
             </a:fld>
             <a:endParaRPr kumimoji="1" lang="ja-JP" altLang="en-US"/>
           </a:p>
@@ -2593,7 +2595,7 @@
           <a:p>
             <a:fld id="{D476CCC8-85EB-4CD4-B26C-961E41F3CEB5}" type="datetimeFigureOut">
               <a:rPr kumimoji="1" lang="ja-JP" altLang="en-US" smtClean="0"/>
-              <a:t>2016/5/27</a:t>
+              <a:t>2016/5/28</a:t>
             </a:fld>
             <a:endParaRPr kumimoji="1" lang="ja-JP" altLang="en-US"/>
           </a:p>
@@ -2836,7 +2838,7 @@
           <a:p>
             <a:fld id="{D476CCC8-85EB-4CD4-B26C-961E41F3CEB5}" type="datetimeFigureOut">
               <a:rPr kumimoji="1" lang="ja-JP" altLang="en-US" smtClean="0"/>
-              <a:t>2016/5/27</a:t>
+              <a:t>2016/5/28</a:t>
             </a:fld>
             <a:endParaRPr kumimoji="1" lang="ja-JP" altLang="en-US"/>
           </a:p>
@@ -3243,6 +3245,57 @@
       </p:grpSpPr>
       <p:sp>
         <p:nvSpPr>
+          <p:cNvPr id="6" name="AutoShape 6" descr="https://latex.codecogs.com/svg.latex?1&amp;plus;1"/>
+          <p:cNvSpPr>
+            <a:spLocks noGrp="1" noChangeAspect="1" noChangeArrowheads="1"/>
+          </p:cNvSpPr>
+          <p:nvPr>
+            <p:ph type="ctrTitle"/>
+          </p:nvPr>
+        </p:nvSpPr>
+        <p:spPr bwMode="auto">
+          <a:prstGeom prst="rect">
+            <a:avLst/>
+          </a:prstGeom>
+          <a:noFill/>
+          <a:extLst>
+            <a:ext uri="{909E8E84-426E-40DD-AFC4-6F175D3DCCD1}">
+              <a14:hiddenFill xmlns:a14="http://schemas.microsoft.com/office/drawing/2010/main">
+                <a:solidFill>
+                  <a:srgbClr val="FFFFFF"/>
+                </a:solidFill>
+              </a14:hiddenFill>
+            </a:ext>
+          </a:extLst>
+        </p:spPr>
+        <p:txBody>
+          <a:bodyPr vert="horz" wrap="square" lIns="91440" tIns="45720" rIns="91440" bIns="45720" numCol="1" anchor="ctr" anchorCtr="0" compatLnSpc="1">
+            <a:prstTxWarp prst="textNoShape">
+              <a:avLst/>
+            </a:prstTxWarp>
+            <a:normAutofit/>
+          </a:bodyPr>
+          <a:lstStyle/>
+          <a:p>
+            <a:r>
+              <a:rPr kumimoji="1" lang="en-US" altLang="ja-JP" sz="4400" dirty="0">
+                <a:latin typeface="+mn-ea"/>
+                <a:ea typeface="+mn-ea"/>
+              </a:rPr>
+              <a:t>CG</a:t>
+            </a:r>
+            <a:r>
+              <a:rPr kumimoji="1" lang="ja-JP" altLang="en-US" sz="4400" dirty="0">
+                <a:latin typeface="+mn-ea"/>
+                <a:ea typeface="+mn-ea"/>
+              </a:rPr>
+              <a:t>による湯気のシミュレーション</a:t>
+            </a:r>
+          </a:p>
+        </p:txBody>
+      </p:sp>
+      <p:sp>
+        <p:nvSpPr>
           <p:cNvPr id="3" name="サブタイトル 2"/>
           <p:cNvSpPr>
             <a:spLocks noGrp="1"/>
@@ -3317,57 +3370,6 @@
           <a:lstStyle/>
           <a:p>
             <a:endParaRPr lang="ja-JP" altLang="en-US" dirty="0"/>
-          </a:p>
-        </p:txBody>
-      </p:sp>
-      <p:sp>
-        <p:nvSpPr>
-          <p:cNvPr id="6" name="AutoShape 6" descr="https://latex.codecogs.com/svg.latex?1&amp;plus;1"/>
-          <p:cNvSpPr>
-            <a:spLocks noGrp="1" noChangeAspect="1" noChangeArrowheads="1"/>
-          </p:cNvSpPr>
-          <p:nvPr>
-            <p:ph type="ctrTitle"/>
-          </p:nvPr>
-        </p:nvSpPr>
-        <p:spPr bwMode="auto">
-          <a:prstGeom prst="rect">
-            <a:avLst/>
-          </a:prstGeom>
-          <a:noFill/>
-          <a:extLst>
-            <a:ext uri="{909E8E84-426E-40DD-AFC4-6F175D3DCCD1}">
-              <a14:hiddenFill xmlns:a14="http://schemas.microsoft.com/office/drawing/2010/main">
-                <a:solidFill>
-                  <a:srgbClr val="FFFFFF"/>
-                </a:solidFill>
-              </a14:hiddenFill>
-            </a:ext>
-          </a:extLst>
-        </p:spPr>
-        <p:txBody>
-          <a:bodyPr vert="horz" wrap="square" lIns="91440" tIns="45720" rIns="91440" bIns="45720" numCol="1" anchor="ctr" anchorCtr="0" compatLnSpc="1">
-            <a:prstTxWarp prst="textNoShape">
-              <a:avLst/>
-            </a:prstTxWarp>
-            <a:normAutofit/>
-          </a:bodyPr>
-          <a:lstStyle/>
-          <a:p>
-            <a:r>
-              <a:rPr kumimoji="1" lang="en-US" altLang="ja-JP" sz="4400" dirty="0">
-                <a:latin typeface="+mn-ea"/>
-                <a:ea typeface="+mn-ea"/>
-              </a:rPr>
-              <a:t>CG</a:t>
-            </a:r>
-            <a:r>
-              <a:rPr kumimoji="1" lang="ja-JP" altLang="en-US" sz="4400" dirty="0">
-                <a:latin typeface="+mn-ea"/>
-                <a:ea typeface="+mn-ea"/>
-              </a:rPr>
-              <a:t>による湯気のシミュレーション</a:t>
-            </a:r>
           </a:p>
         </p:txBody>
       </p:sp>
@@ -3548,7 +3550,15 @@
           <a:p>
             <a:r>
               <a:rPr lang="ja-JP" altLang="en-US" dirty="0"/>
-              <a:t>佐野</a:t>
+              <a:t>浅井ゼミ</a:t>
+            </a:r>
+            <a:r>
+              <a:rPr lang="en-US" altLang="ja-JP" dirty="0"/>
+              <a:t>M2</a:t>
+            </a:r>
+            <a:r>
+              <a:rPr lang="ja-JP" altLang="en-US" dirty="0"/>
+              <a:t>　佐野</a:t>
             </a:r>
             <a:r>
               <a:rPr lang="en-US" altLang="ja-JP" dirty="0"/>
@@ -3563,21 +3573,11 @@
           <a:p>
             <a:r>
               <a:rPr lang="ja-JP" altLang="en-US" dirty="0"/>
-              <a:t>浅井ゼミ</a:t>
+              <a:t>大学時代</a:t>
             </a:r>
             <a:r>
               <a:rPr lang="en-US" altLang="ja-JP" dirty="0"/>
-              <a:t>M2</a:t>
-            </a:r>
-          </a:p>
-          <a:p>
-            <a:r>
-              <a:rPr lang="ja-JP" altLang="en-US" dirty="0"/>
-              <a:t>大学時代は</a:t>
-            </a:r>
-            <a:r>
-              <a:rPr lang="en-US" altLang="ja-JP" dirty="0"/>
-              <a:t>CG</a:t>
+              <a:t>…CG</a:t>
             </a:r>
             <a:r>
               <a:rPr lang="ja-JP" altLang="en-US" dirty="0"/>
@@ -3588,9 +3588,17 @@
           <a:p>
             <a:r>
               <a:rPr lang="ja-JP" altLang="en-US" dirty="0"/>
-              <a:t>社会人からはシステム開発の支援ツールの開発</a:t>
-            </a:r>
-            <a:endParaRPr kumimoji="1" lang="en-US" altLang="ja-JP" dirty="0"/>
+              <a:t>社会人から</a:t>
+            </a:r>
+            <a:r>
+              <a:rPr lang="en-US" altLang="ja-JP" dirty="0"/>
+              <a:t>…</a:t>
+            </a:r>
+            <a:r>
+              <a:rPr lang="ja-JP" altLang="en-US" dirty="0"/>
+              <a:t>システム開発の支援ツールの開発</a:t>
+            </a:r>
+            <a:endParaRPr lang="en-US" altLang="ja-JP" dirty="0"/>
           </a:p>
         </p:txBody>
       </p:sp>
@@ -3653,25 +3661,107 @@
             <a:spLocks noGrp="1"/>
           </p:cNvSpPr>
           <p:nvPr>
-            <p:ph idx="1"/>
-          </p:nvPr>
-        </p:nvSpPr>
-        <p:spPr/>
-        <p:txBody>
-          <a:bodyPr/>
-          <a:lstStyle/>
-          <a:p>
+            <p:ph sz="half" idx="1"/>
+          </p:nvPr>
+        </p:nvSpPr>
+        <p:spPr/>
+        <p:txBody>
+          <a:bodyPr/>
+          <a:lstStyle/>
+          <a:p>
+            <a:r>
+              <a:rPr lang="en-US" altLang="ja-JP" dirty="0">
+                <a:latin typeface="+mn-ea"/>
+              </a:rPr>
+              <a:t>CG</a:t>
+            </a:r>
+            <a:r>
+              <a:rPr lang="ja-JP" altLang="en-US" dirty="0">
+                <a:latin typeface="+mn-ea"/>
+              </a:rPr>
+              <a:t>による湯気の可視化シミュレーション</a:t>
+            </a:r>
+            <a:endParaRPr lang="en-US" altLang="ja-JP" dirty="0">
+              <a:latin typeface="+mn-ea"/>
+            </a:endParaRPr>
+          </a:p>
+          <a:p>
+            <a:r>
+              <a:rPr kumimoji="1" lang="ja-JP" altLang="en-US" dirty="0"/>
+              <a:t>フォトリアルな湯気の表現を可能とすることで、従来の</a:t>
+            </a:r>
             <a:r>
               <a:rPr kumimoji="1" lang="en-US" altLang="ja-JP" dirty="0"/>
               <a:t>CG</a:t>
             </a:r>
             <a:r>
               <a:rPr kumimoji="1" lang="ja-JP" altLang="en-US" dirty="0"/>
-              <a:t>による湯気のシミュレーション</a:t>
-            </a:r>
-          </a:p>
-        </p:txBody>
-      </p:sp>
+              <a:t>では表現できない温泉、暖かい料理といったシーンを表現可能とする。</a:t>
+            </a:r>
+            <a:endParaRPr kumimoji="1" lang="en-US" altLang="ja-JP" dirty="0"/>
+          </a:p>
+          <a:p>
+            <a:r>
+              <a:rPr lang="en-US" altLang="ja-JP" dirty="0"/>
+              <a:t>CG</a:t>
+            </a:r>
+            <a:r>
+              <a:rPr lang="ja-JP" altLang="en-US" dirty="0"/>
+              <a:t>による雲や煙の表現の研究はあるが湯気に特化した研究はされない。</a:t>
+            </a:r>
+            <a:endParaRPr lang="en-US" altLang="ja-JP" dirty="0"/>
+          </a:p>
+        </p:txBody>
+      </p:sp>
+      <p:sp>
+        <p:nvSpPr>
+          <p:cNvPr id="5" name="コンテンツ プレースホルダー 4"/>
+          <p:cNvSpPr>
+            <a:spLocks noGrp="1"/>
+          </p:cNvSpPr>
+          <p:nvPr>
+            <p:ph sz="half" idx="2"/>
+          </p:nvPr>
+        </p:nvSpPr>
+        <p:spPr/>
+        <p:txBody>
+          <a:bodyPr/>
+          <a:lstStyle/>
+          <a:p>
+            <a:endParaRPr kumimoji="1" lang="ja-JP" altLang="en-US"/>
+          </a:p>
+        </p:txBody>
+      </p:sp>
+      <p:pic>
+        <p:nvPicPr>
+          <p:cNvPr id="4" name="図 3" descr="... 日の出, 湯気 / 蒸気 ID:201402040400"/>
+          <p:cNvPicPr>
+            <a:picLocks noChangeAspect="1"/>
+          </p:cNvPicPr>
+          <p:nvPr/>
+        </p:nvPicPr>
+        <p:blipFill>
+          <a:blip r:embed="rId2">
+            <a:extLst>
+              <a:ext uri="{28A0092B-C50C-407E-A947-70E740481C1C}">
+                <a14:useLocalDpi xmlns:a14="http://schemas.microsoft.com/office/drawing/2010/main" val="0"/>
+              </a:ext>
+            </a:extLst>
+          </a:blip>
+          <a:stretch>
+            <a:fillRect/>
+          </a:stretch>
+        </p:blipFill>
+        <p:spPr>
+          <a:xfrm>
+            <a:off x="6172200" y="2210852"/>
+            <a:ext cx="5187924" cy="3500836"/>
+          </a:xfrm>
+          <a:prstGeom prst="rect">
+            <a:avLst/>
+          </a:prstGeom>
+        </p:spPr>
+      </p:pic>
     </p:spTree>
     <p:extLst>
       <p:ext uri="{BB962C8B-B14F-4D97-AF65-F5344CB8AC3E}">
@@ -3726,23 +3816,453 @@
       </p:sp>
       <p:sp>
         <p:nvSpPr>
-          <p:cNvPr id="3" name="コンテンツ プレースホルダー 2"/>
-          <p:cNvSpPr>
-            <a:spLocks noGrp="1"/>
-          </p:cNvSpPr>
-          <p:nvPr>
-            <p:ph idx="1"/>
-          </p:nvPr>
-        </p:nvSpPr>
-        <p:spPr/>
-        <p:txBody>
-          <a:bodyPr/>
-          <a:lstStyle/>
-          <a:p>
+          <p:cNvPr id="5" name="コンテンツ プレースホルダー 4"/>
+          <p:cNvSpPr>
+            <a:spLocks noGrp="1"/>
+          </p:cNvSpPr>
+          <p:nvPr>
+            <p:ph sz="half" idx="1"/>
+          </p:nvPr>
+        </p:nvSpPr>
+        <p:spPr/>
+        <p:txBody>
+          <a:bodyPr/>
+          <a:lstStyle/>
+          <a:p>
+            <a:r>
+              <a:rPr lang="ja-JP" altLang="en-US" dirty="0"/>
+              <a:t>既存の流体シミュレーションをベースとする</a:t>
+            </a:r>
+            <a:endParaRPr lang="en-US" altLang="ja-JP" dirty="0"/>
+          </a:p>
+          <a:p>
+            <a:r>
+              <a:rPr kumimoji="1" lang="ja-JP" altLang="en-US" dirty="0"/>
+              <a:t>湯気の特性をシミュレーションモデルへ取り入れる</a:t>
+            </a:r>
+            <a:endParaRPr kumimoji="1" lang="en-US" altLang="ja-JP" dirty="0"/>
+          </a:p>
+          <a:p>
+            <a:pPr lvl="1"/>
+            <a:r>
+              <a:rPr lang="ja-JP" altLang="en-US" dirty="0"/>
+              <a:t>蒸発、凝結を伴う相転移</a:t>
+            </a:r>
+            <a:endParaRPr lang="en-US" altLang="ja-JP" dirty="0"/>
+          </a:p>
+          <a:p>
+            <a:pPr lvl="1"/>
+            <a:r>
+              <a:rPr lang="ja-JP" altLang="en-US" dirty="0"/>
+              <a:t>熱移動</a:t>
+            </a:r>
+            <a:endParaRPr lang="en-US" altLang="ja-JP" dirty="0"/>
+          </a:p>
+          <a:p>
+            <a:pPr lvl="1"/>
+            <a:r>
+              <a:rPr lang="ja-JP" altLang="en-US" dirty="0"/>
+              <a:t>浮力</a:t>
+            </a:r>
+            <a:endParaRPr lang="en-US" altLang="ja-JP" dirty="0"/>
+          </a:p>
+          <a:p>
+            <a:pPr lvl="1"/>
+            <a:r>
+              <a:rPr lang="ja-JP" altLang="en-US" dirty="0"/>
+              <a:t>水滴</a:t>
+            </a:r>
+            <a:endParaRPr lang="en-US" altLang="ja-JP" dirty="0"/>
+          </a:p>
+          <a:p>
+            <a:pPr lvl="1"/>
             <a:endParaRPr kumimoji="1" lang="ja-JP" altLang="en-US" dirty="0"/>
           </a:p>
         </p:txBody>
       </p:sp>
+      <p:sp>
+        <p:nvSpPr>
+          <p:cNvPr id="6" name="コンテンツ プレースホルダー 5"/>
+          <p:cNvSpPr>
+            <a:spLocks noGrp="1"/>
+          </p:cNvSpPr>
+          <p:nvPr>
+            <p:ph sz="half" idx="2"/>
+          </p:nvPr>
+        </p:nvSpPr>
+        <p:spPr/>
+        <p:txBody>
+          <a:bodyPr/>
+          <a:lstStyle/>
+          <a:p>
+            <a:endParaRPr kumimoji="1" lang="ja-JP" altLang="en-US" dirty="0"/>
+          </a:p>
+        </p:txBody>
+      </p:sp>
+      <p:sp>
+        <p:nvSpPr>
+          <p:cNvPr id="7" name="楕円 6"/>
+          <p:cNvSpPr>
+            <a:spLocks noChangeAspect="1"/>
+          </p:cNvSpPr>
+          <p:nvPr/>
+        </p:nvSpPr>
+        <p:spPr>
+          <a:xfrm>
+            <a:off x="8540581" y="2835309"/>
+            <a:ext cx="432469" cy="432000"/>
+          </a:xfrm>
+          <a:prstGeom prst="ellipse">
+            <a:avLst/>
+          </a:prstGeom>
+        </p:spPr>
+        <p:style>
+          <a:lnRef idx="2">
+            <a:schemeClr val="accent1">
+              <a:shade val="50000"/>
+            </a:schemeClr>
+          </a:lnRef>
+          <a:fillRef idx="1">
+            <a:schemeClr val="accent1"/>
+          </a:fillRef>
+          <a:effectRef idx="0">
+            <a:schemeClr val="accent1"/>
+          </a:effectRef>
+          <a:fontRef idx="minor">
+            <a:schemeClr val="lt1"/>
+          </a:fontRef>
+        </p:style>
+        <p:txBody>
+          <a:bodyPr rtlCol="0" anchor="ctr"/>
+          <a:lstStyle/>
+          <a:p>
+            <a:pPr algn="ctr"/>
+            <a:endParaRPr kumimoji="1" lang="ja-JP" altLang="en-US"/>
+          </a:p>
+        </p:txBody>
+      </p:sp>
+      <p:sp>
+        <p:nvSpPr>
+          <p:cNvPr id="8" name="楕円 7"/>
+          <p:cNvSpPr/>
+          <p:nvPr/>
+        </p:nvSpPr>
+        <p:spPr>
+          <a:xfrm>
+            <a:off x="8458641" y="3648407"/>
+            <a:ext cx="596348" cy="569844"/>
+          </a:xfrm>
+          <a:prstGeom prst="ellipse">
+            <a:avLst/>
+          </a:prstGeom>
+        </p:spPr>
+        <p:style>
+          <a:lnRef idx="2">
+            <a:schemeClr val="accent1">
+              <a:shade val="50000"/>
+            </a:schemeClr>
+          </a:lnRef>
+          <a:fillRef idx="1">
+            <a:schemeClr val="accent1"/>
+          </a:fillRef>
+          <a:effectRef idx="0">
+            <a:schemeClr val="accent1"/>
+          </a:effectRef>
+          <a:fontRef idx="minor">
+            <a:schemeClr val="lt1"/>
+          </a:fontRef>
+        </p:style>
+        <p:txBody>
+          <a:bodyPr rtlCol="0" anchor="ctr"/>
+          <a:lstStyle/>
+          <a:p>
+            <a:pPr algn="ctr"/>
+            <a:endParaRPr kumimoji="1" lang="ja-JP" altLang="en-US"/>
+          </a:p>
+        </p:txBody>
+      </p:sp>
+      <p:sp>
+        <p:nvSpPr>
+          <p:cNvPr id="9" name="楕円 8"/>
+          <p:cNvSpPr>
+            <a:spLocks noChangeAspect="1"/>
+          </p:cNvSpPr>
+          <p:nvPr/>
+        </p:nvSpPr>
+        <p:spPr>
+          <a:xfrm>
+            <a:off x="8486816" y="4590096"/>
+            <a:ext cx="540000" cy="516000"/>
+          </a:xfrm>
+          <a:prstGeom prst="ellipse">
+            <a:avLst/>
+          </a:prstGeom>
+          <a:ln>
+            <a:prstDash val="dash"/>
+          </a:ln>
+        </p:spPr>
+        <p:style>
+          <a:lnRef idx="2">
+            <a:schemeClr val="dk1"/>
+          </a:lnRef>
+          <a:fillRef idx="1">
+            <a:schemeClr val="lt1"/>
+          </a:fillRef>
+          <a:effectRef idx="0">
+            <a:schemeClr val="dk1"/>
+          </a:effectRef>
+          <a:fontRef idx="minor">
+            <a:schemeClr val="dk1"/>
+          </a:fontRef>
+        </p:style>
+        <p:txBody>
+          <a:bodyPr rtlCol="0" anchor="ctr"/>
+          <a:lstStyle/>
+          <a:p>
+            <a:pPr algn="ctr"/>
+            <a:endParaRPr kumimoji="1" lang="ja-JP" altLang="en-US"/>
+          </a:p>
+        </p:txBody>
+      </p:sp>
+      <p:sp>
+        <p:nvSpPr>
+          <p:cNvPr id="10" name="楕円 9"/>
+          <p:cNvSpPr>
+            <a:spLocks noChangeAspect="1"/>
+          </p:cNvSpPr>
+          <p:nvPr/>
+        </p:nvSpPr>
+        <p:spPr>
+          <a:xfrm>
+            <a:off x="8606105" y="2180770"/>
+            <a:ext cx="301421" cy="301421"/>
+          </a:xfrm>
+          <a:prstGeom prst="ellipse">
+            <a:avLst/>
+          </a:prstGeom>
+          <a:ln>
+            <a:prstDash val="dash"/>
+          </a:ln>
+        </p:spPr>
+        <p:style>
+          <a:lnRef idx="2">
+            <a:schemeClr val="dk1"/>
+          </a:lnRef>
+          <a:fillRef idx="1">
+            <a:schemeClr val="lt1"/>
+          </a:fillRef>
+          <a:effectRef idx="0">
+            <a:schemeClr val="dk1"/>
+          </a:effectRef>
+          <a:fontRef idx="minor">
+            <a:schemeClr val="dk1"/>
+          </a:fontRef>
+        </p:style>
+        <p:txBody>
+          <a:bodyPr rtlCol="0" anchor="ctr"/>
+          <a:lstStyle/>
+          <a:p>
+            <a:pPr algn="ctr"/>
+            <a:endParaRPr kumimoji="1" lang="ja-JP" altLang="en-US"/>
+          </a:p>
+        </p:txBody>
+      </p:sp>
+      <p:sp>
+        <p:nvSpPr>
+          <p:cNvPr id="15" name="正方形/長方形 14"/>
+          <p:cNvSpPr/>
+          <p:nvPr/>
+        </p:nvSpPr>
+        <p:spPr>
+          <a:xfrm>
+            <a:off x="6172200" y="5514975"/>
+            <a:ext cx="5181600" cy="661988"/>
+          </a:xfrm>
+          <a:prstGeom prst="rect">
+            <a:avLst/>
+          </a:prstGeom>
+        </p:spPr>
+        <p:style>
+          <a:lnRef idx="2">
+            <a:schemeClr val="accent1">
+              <a:shade val="50000"/>
+            </a:schemeClr>
+          </a:lnRef>
+          <a:fillRef idx="1">
+            <a:schemeClr val="accent1"/>
+          </a:fillRef>
+          <a:effectRef idx="0">
+            <a:schemeClr val="accent1"/>
+          </a:effectRef>
+          <a:fontRef idx="minor">
+            <a:schemeClr val="lt1"/>
+          </a:fontRef>
+        </p:style>
+        <p:txBody>
+          <a:bodyPr rtlCol="0" anchor="ctr"/>
+          <a:lstStyle/>
+          <a:p>
+            <a:pPr algn="ctr"/>
+            <a:endParaRPr kumimoji="1" lang="ja-JP" altLang="en-US"/>
+          </a:p>
+        </p:txBody>
+      </p:sp>
+      <p:cxnSp>
+        <p:nvCxnSpPr>
+          <p:cNvPr id="17" name="直線矢印コネクタ 16"/>
+          <p:cNvCxnSpPr>
+            <a:stCxn id="15" idx="0"/>
+            <a:endCxn id="9" idx="4"/>
+          </p:cNvCxnSpPr>
+          <p:nvPr/>
+        </p:nvCxnSpPr>
+        <p:spPr>
+          <a:xfrm flipH="1" flipV="1">
+            <a:off x="8756816" y="5106096"/>
+            <a:ext cx="6184" cy="408879"/>
+          </a:xfrm>
+          <a:prstGeom prst="straightConnector1">
+            <a:avLst/>
+          </a:prstGeom>
+          <a:ln>
+            <a:solidFill>
+              <a:schemeClr val="tx1"/>
+            </a:solidFill>
+            <a:tailEnd type="triangle" w="lg" len="lg"/>
+          </a:ln>
+        </p:spPr>
+        <p:style>
+          <a:lnRef idx="1">
+            <a:schemeClr val="accent1"/>
+          </a:lnRef>
+          <a:fillRef idx="0">
+            <a:schemeClr val="accent1"/>
+          </a:fillRef>
+          <a:effectRef idx="0">
+            <a:schemeClr val="accent1"/>
+          </a:effectRef>
+          <a:fontRef idx="minor">
+            <a:schemeClr val="tx1"/>
+          </a:fontRef>
+        </p:style>
+      </p:cxnSp>
+      <p:cxnSp>
+        <p:nvCxnSpPr>
+          <p:cNvPr id="20" name="直線矢印コネクタ 19"/>
+          <p:cNvCxnSpPr>
+            <a:stCxn id="9" idx="0"/>
+            <a:endCxn id="8" idx="4"/>
+          </p:cNvCxnSpPr>
+          <p:nvPr/>
+        </p:nvCxnSpPr>
+        <p:spPr>
+          <a:xfrm flipH="1" flipV="1">
+            <a:off x="8756815" y="4218251"/>
+            <a:ext cx="1" cy="371845"/>
+          </a:xfrm>
+          <a:prstGeom prst="straightConnector1">
+            <a:avLst/>
+          </a:prstGeom>
+          <a:ln>
+            <a:solidFill>
+              <a:schemeClr val="tx1"/>
+            </a:solidFill>
+            <a:tailEnd type="triangle" w="lg" len="lg"/>
+          </a:ln>
+        </p:spPr>
+        <p:style>
+          <a:lnRef idx="1">
+            <a:schemeClr val="accent1"/>
+          </a:lnRef>
+          <a:fillRef idx="0">
+            <a:schemeClr val="accent1"/>
+          </a:fillRef>
+          <a:effectRef idx="0">
+            <a:schemeClr val="accent1"/>
+          </a:effectRef>
+          <a:fontRef idx="minor">
+            <a:schemeClr val="tx1"/>
+          </a:fontRef>
+        </p:style>
+      </p:cxnSp>
+      <p:cxnSp>
+        <p:nvCxnSpPr>
+          <p:cNvPr id="36" name="直線矢印コネクタ 35"/>
+          <p:cNvCxnSpPr>
+            <a:stCxn id="8" idx="0"/>
+            <a:endCxn id="7" idx="4"/>
+          </p:cNvCxnSpPr>
+          <p:nvPr/>
+        </p:nvCxnSpPr>
+        <p:spPr>
+          <a:xfrm flipV="1">
+            <a:off x="8756815" y="3267309"/>
+            <a:ext cx="1" cy="381098"/>
+          </a:xfrm>
+          <a:prstGeom prst="straightConnector1">
+            <a:avLst/>
+          </a:prstGeom>
+          <a:ln>
+            <a:solidFill>
+              <a:schemeClr val="tx1"/>
+            </a:solidFill>
+            <a:tailEnd type="triangle" w="lg" len="lg"/>
+          </a:ln>
+        </p:spPr>
+        <p:style>
+          <a:lnRef idx="1">
+            <a:schemeClr val="accent1"/>
+          </a:lnRef>
+          <a:fillRef idx="0">
+            <a:schemeClr val="accent1"/>
+          </a:fillRef>
+          <a:effectRef idx="0">
+            <a:schemeClr val="accent1"/>
+          </a:effectRef>
+          <a:fontRef idx="minor">
+            <a:schemeClr val="tx1"/>
+          </a:fontRef>
+        </p:style>
+      </p:cxnSp>
+      <p:cxnSp>
+        <p:nvCxnSpPr>
+          <p:cNvPr id="40" name="直線矢印コネクタ 39"/>
+          <p:cNvCxnSpPr>
+            <a:stCxn id="7" idx="0"/>
+            <a:endCxn id="10" idx="4"/>
+          </p:cNvCxnSpPr>
+          <p:nvPr/>
+        </p:nvCxnSpPr>
+        <p:spPr>
+          <a:xfrm flipV="1">
+            <a:off x="8756816" y="2482191"/>
+            <a:ext cx="0" cy="353118"/>
+          </a:xfrm>
+          <a:prstGeom prst="straightConnector1">
+            <a:avLst/>
+          </a:prstGeom>
+          <a:ln>
+            <a:solidFill>
+              <a:schemeClr val="tx1"/>
+            </a:solidFill>
+            <a:tailEnd type="triangle" w="lg" len="lg"/>
+          </a:ln>
+        </p:spPr>
+        <p:style>
+          <a:lnRef idx="1">
+            <a:schemeClr val="accent1"/>
+          </a:lnRef>
+          <a:fillRef idx="0">
+            <a:schemeClr val="accent1"/>
+          </a:fillRef>
+          <a:effectRef idx="0">
+            <a:schemeClr val="accent1"/>
+          </a:effectRef>
+          <a:fontRef idx="minor">
+            <a:schemeClr val="tx1"/>
+          </a:fontRef>
+        </p:style>
+      </p:cxnSp>
     </p:spTree>
     <p:extLst>
       <p:ext uri="{BB962C8B-B14F-4D97-AF65-F5344CB8AC3E}">
@@ -3810,7 +4330,94 @@
           <a:bodyPr/>
           <a:lstStyle/>
           <a:p>
-            <a:endParaRPr kumimoji="1" lang="ja-JP" altLang="en-US"/>
+            <a:r>
+              <a:rPr kumimoji="1" lang="ja-JP" altLang="en-US" dirty="0">
+                <a:solidFill>
+                  <a:srgbClr val="FF0000"/>
+                </a:solidFill>
+              </a:rPr>
+              <a:t>先行研究</a:t>
+            </a:r>
+            <a:r>
+              <a:rPr lang="ja-JP" altLang="en-US" dirty="0">
+                <a:solidFill>
+                  <a:srgbClr val="FF0000"/>
+                </a:solidFill>
+              </a:rPr>
+              <a:t>、関連研究調査</a:t>
+            </a:r>
+            <a:endParaRPr lang="en-US" altLang="ja-JP" dirty="0">
+              <a:solidFill>
+                <a:srgbClr val="FF0000"/>
+              </a:solidFill>
+            </a:endParaRPr>
+          </a:p>
+          <a:p>
+            <a:r>
+              <a:rPr kumimoji="1" lang="ja-JP" altLang="en-US" dirty="0">
+                <a:solidFill>
+                  <a:srgbClr val="FF0000"/>
+                </a:solidFill>
+              </a:rPr>
+              <a:t>流体シミュレーションの基礎調査</a:t>
+            </a:r>
+            <a:endParaRPr kumimoji="1" lang="en-US" altLang="ja-JP" dirty="0">
+              <a:solidFill>
+                <a:srgbClr val="FF0000"/>
+              </a:solidFill>
+            </a:endParaRPr>
+          </a:p>
+          <a:p>
+            <a:r>
+              <a:rPr lang="ja-JP" altLang="en-US" dirty="0">
+                <a:solidFill>
+                  <a:srgbClr val="FF0000"/>
+                </a:solidFill>
+              </a:rPr>
+              <a:t>煙のシミュレーション</a:t>
+            </a:r>
+            <a:endParaRPr lang="en-US" altLang="ja-JP" dirty="0">
+              <a:solidFill>
+                <a:srgbClr val="FF0000"/>
+              </a:solidFill>
+            </a:endParaRPr>
+          </a:p>
+          <a:p>
+            <a:r>
+              <a:rPr kumimoji="1" lang="ja-JP" altLang="en-US" dirty="0">
+                <a:solidFill>
+                  <a:srgbClr val="FF0000"/>
+                </a:solidFill>
+              </a:rPr>
+              <a:t>湯気のモデリング</a:t>
+            </a:r>
+            <a:endParaRPr lang="en-US" altLang="ja-JP" dirty="0">
+              <a:solidFill>
+                <a:srgbClr val="FF0000"/>
+              </a:solidFill>
+            </a:endParaRPr>
+          </a:p>
+          <a:p>
+            <a:r>
+              <a:rPr kumimoji="1" lang="ja-JP" altLang="en-US" dirty="0">
+                <a:solidFill>
+                  <a:srgbClr val="FF0000"/>
+                </a:solidFill>
+              </a:rPr>
+              <a:t>湯気のシミュレーション</a:t>
+            </a:r>
+            <a:endParaRPr kumimoji="1" lang="en-US" altLang="ja-JP" dirty="0">
+              <a:solidFill>
+                <a:srgbClr val="FF0000"/>
+              </a:solidFill>
+            </a:endParaRPr>
+          </a:p>
+          <a:p>
+            <a:r>
+              <a:rPr lang="ja-JP" altLang="en-US" dirty="0"/>
+              <a:t>パラメータ、モデルの見直し</a:t>
+            </a:r>
+            <a:endParaRPr kumimoji="1" lang="en-US" altLang="ja-JP" dirty="0"/>
           </a:p>
         </p:txBody>
       </p:sp>
@@ -3878,16 +4485,54 @@
         </p:nvSpPr>
         <p:spPr/>
         <p:txBody>
-          <a:bodyPr/>
-          <a:lstStyle/>
-          <a:p>
+          <a:bodyPr>
+            <a:normAutofit/>
+          </a:bodyPr>
+          <a:lstStyle/>
+          <a:p>
+            <a:r>
+              <a:rPr kumimoji="1" lang="en-US" altLang="ja-JP" dirty="0"/>
+              <a:t>CG</a:t>
+            </a:r>
             <a:r>
               <a:rPr kumimoji="1" lang="ja-JP" altLang="en-US" dirty="0"/>
-              <a:t>流体シミュレーションの</a:t>
-            </a:r>
+              <a:t>による流体シミュレーション</a:t>
+            </a:r>
+            <a:endParaRPr kumimoji="1" lang="en-US" altLang="ja-JP" dirty="0"/>
+          </a:p>
+          <a:p>
+            <a:pPr lvl="1"/>
             <a:r>
               <a:rPr lang="ja-JP" altLang="en-US" dirty="0"/>
-              <a:t>おさらい</a:t>
+              <a:t>モデル</a:t>
+            </a:r>
+            <a:endParaRPr kumimoji="1" lang="en-US" altLang="ja-JP" dirty="0"/>
+          </a:p>
+          <a:p>
+            <a:pPr lvl="1"/>
+            <a:r>
+              <a:rPr lang="ja-JP" altLang="en-US" dirty="0"/>
+              <a:t>格子法</a:t>
+            </a:r>
+            <a:endParaRPr lang="en-US" altLang="ja-JP" dirty="0"/>
+          </a:p>
+          <a:p>
+            <a:pPr lvl="1"/>
+            <a:r>
+              <a:rPr lang="ja-JP" altLang="en-US" dirty="0"/>
+              <a:t>粒子法</a:t>
+            </a:r>
+            <a:endParaRPr lang="en-US" altLang="ja-JP" dirty="0"/>
+          </a:p>
+          <a:p>
+            <a:pPr lvl="1"/>
+            <a:r>
+              <a:rPr lang="en-US" altLang="ja-JP" dirty="0"/>
+              <a:t>FLIP</a:t>
+            </a:r>
+            <a:r>
+              <a:rPr lang="ja-JP" altLang="en-US" dirty="0"/>
+              <a:t>法</a:t>
             </a:r>
             <a:endParaRPr lang="en-US" altLang="ja-JP" dirty="0"/>
           </a:p>
@@ -3902,7 +4547,7 @@
             <a:pPr lvl="1"/>
             <a:r>
               <a:rPr lang="ja-JP" altLang="en-US" dirty="0"/>
-              <a:t>シミュレーションモデル</a:t>
+              <a:t>従来のシミュレーションモデル</a:t>
             </a:r>
             <a:endParaRPr lang="en-US" altLang="ja-JP" dirty="0"/>
           </a:p>
@@ -3924,7 +4569,7 @@
           </a:p>
           <a:p>
             <a:r>
-              <a:rPr lang="ja-JP" altLang="en-US"/>
+              <a:rPr lang="ja-JP" altLang="en-US" dirty="0"/>
               <a:t>今後の予定</a:t>
             </a:r>
             <a:endParaRPr lang="en-US" altLang="ja-JP" dirty="0"/>
@@ -3935,6 +4580,151 @@
     <p:extLst>
       <p:ext uri="{BB962C8B-B14F-4D97-AF65-F5344CB8AC3E}">
         <p14:creationId xmlns:p14="http://schemas.microsoft.com/office/powerpoint/2010/main" val="1701492367"/>
+      </p:ext>
+    </p:extLst>
+  </p:cSld>
+  <p:clrMapOvr>
+    <a:masterClrMapping/>
+  </p:clrMapOvr>
+</p:sld>
+</file>
+
+<file path=ppt/slides/slide7.xml><?xml version="1.0" encoding="utf-8"?>
+<p:sld xmlns:a="http://schemas.openxmlformats.org/drawingml/2006/main" xmlns:r="http://schemas.openxmlformats.org/officeDocument/2006/relationships" xmlns:p="http://schemas.openxmlformats.org/presentationml/2006/main">
+  <p:cSld>
+    <p:spTree>
+      <p:nvGrpSpPr>
+        <p:cNvPr id="1" name=""/>
+        <p:cNvGrpSpPr/>
+        <p:nvPr/>
+      </p:nvGrpSpPr>
+      <p:grpSpPr>
+        <a:xfrm>
+          <a:off x="0" y="0"/>
+          <a:ext cx="0" cy="0"/>
+          <a:chOff x="0" y="0"/>
+          <a:chExt cx="0" cy="0"/>
+        </a:xfrm>
+      </p:grpSpPr>
+      <p:sp>
+        <p:nvSpPr>
+          <p:cNvPr id="6" name="タイトル 5"/>
+          <p:cNvSpPr>
+            <a:spLocks noGrp="1"/>
+          </p:cNvSpPr>
+          <p:nvPr>
+            <p:ph type="title"/>
+          </p:nvPr>
+        </p:nvSpPr>
+        <p:spPr/>
+        <p:txBody>
+          <a:bodyPr>
+            <a:normAutofit/>
+          </a:bodyPr>
+          <a:lstStyle/>
+          <a:p>
+            <a:r>
+              <a:rPr kumimoji="1" lang="en-US" altLang="ja-JP" sz="5400" dirty="0"/>
+              <a:t>CG</a:t>
+            </a:r>
+            <a:r>
+              <a:rPr kumimoji="1" lang="ja-JP" altLang="en-US" sz="5400" dirty="0"/>
+              <a:t>による流体シミュレーション</a:t>
+            </a:r>
+          </a:p>
+        </p:txBody>
+      </p:sp>
+      <p:sp>
+        <p:nvSpPr>
+          <p:cNvPr id="7" name="テキスト プレースホルダー 6"/>
+          <p:cNvSpPr>
+            <a:spLocks noGrp="1"/>
+          </p:cNvSpPr>
+          <p:nvPr>
+            <p:ph type="body" idx="1"/>
+          </p:nvPr>
+        </p:nvSpPr>
+        <p:spPr/>
+        <p:txBody>
+          <a:bodyPr/>
+          <a:lstStyle/>
+          <a:p>
+            <a:endParaRPr kumimoji="1" lang="ja-JP" altLang="en-US" dirty="0"/>
+          </a:p>
+        </p:txBody>
+      </p:sp>
+    </p:spTree>
+    <p:extLst>
+      <p:ext uri="{BB962C8B-B14F-4D97-AF65-F5344CB8AC3E}">
+        <p14:creationId xmlns:p14="http://schemas.microsoft.com/office/powerpoint/2010/main" val="1631817628"/>
+      </p:ext>
+    </p:extLst>
+  </p:cSld>
+  <p:clrMapOvr>
+    <a:masterClrMapping/>
+  </p:clrMapOvr>
+</p:sld>
+</file>
+
+<file path=ppt/slides/slide8.xml><?xml version="1.0" encoding="utf-8"?>
+<p:sld xmlns:a="http://schemas.openxmlformats.org/drawingml/2006/main" xmlns:r="http://schemas.openxmlformats.org/officeDocument/2006/relationships" xmlns:p="http://schemas.openxmlformats.org/presentationml/2006/main">
+  <p:cSld>
+    <p:spTree>
+      <p:nvGrpSpPr>
+        <p:cNvPr id="1" name=""/>
+        <p:cNvGrpSpPr/>
+        <p:nvPr/>
+      </p:nvGrpSpPr>
+      <p:grpSpPr>
+        <a:xfrm>
+          <a:off x="0" y="0"/>
+          <a:ext cx="0" cy="0"/>
+          <a:chOff x="0" y="0"/>
+          <a:chExt cx="0" cy="0"/>
+        </a:xfrm>
+      </p:grpSpPr>
+      <p:sp>
+        <p:nvSpPr>
+          <p:cNvPr id="2" name="タイトル 1"/>
+          <p:cNvSpPr>
+            <a:spLocks noGrp="1"/>
+          </p:cNvSpPr>
+          <p:nvPr>
+            <p:ph type="title"/>
+          </p:nvPr>
+        </p:nvSpPr>
+        <p:spPr/>
+        <p:txBody>
+          <a:bodyPr/>
+          <a:lstStyle/>
+          <a:p>
+            <a:endParaRPr kumimoji="1" lang="ja-JP" altLang="en-US"/>
+          </a:p>
+        </p:txBody>
+      </p:sp>
+      <p:sp>
+        <p:nvSpPr>
+          <p:cNvPr id="3" name="テキスト プレースホルダー 2"/>
+          <p:cNvSpPr>
+            <a:spLocks noGrp="1"/>
+          </p:cNvSpPr>
+          <p:nvPr>
+            <p:ph type="body" idx="1"/>
+          </p:nvPr>
+        </p:nvSpPr>
+        <p:spPr/>
+        <p:txBody>
+          <a:bodyPr/>
+          <a:lstStyle/>
+          <a:p>
+            <a:endParaRPr kumimoji="1" lang="ja-JP" altLang="en-US"/>
+          </a:p>
+        </p:txBody>
+      </p:sp>
+    </p:spTree>
+    <p:extLst>
+      <p:ext uri="{BB962C8B-B14F-4D97-AF65-F5344CB8AC3E}">
+        <p14:creationId xmlns:p14="http://schemas.microsoft.com/office/powerpoint/2010/main" val="3202995951"/>
       </p:ext>
     </p:extLst>
   </p:cSld>
